--- a/session1/snakemake.pptx
+++ b/session1/snakemake.pptx
@@ -123,14 +123,6 @@
 </p:presentation>
 </file>
 
-<file path=ppt/revisionInfo.xml><?xml version="1.0" encoding="utf-8"?>
-<p1510:revInfo xmlns:a="http://schemas.openxmlformats.org/drawingml/2006/main" xmlns:r="http://schemas.openxmlformats.org/officeDocument/2006/relationships" xmlns:p1510="http://schemas.microsoft.com/office/powerpoint/2015/10/main">
-  <p1510:revLst>
-    <p1510:client id="{B31D5223-7E8C-F841-A51C-39083DCC29FB}" v="1" dt="2023-10-24T20:25:52.925"/>
-  </p1510:revLst>
-</p1510:revInfo>
-</file>
-
 <file path=ppt/changesInfos/changesInfo1.xml><?xml version="1.0" encoding="utf-8"?>
 <pc:chgInfo xmlns:a="http://schemas.openxmlformats.org/drawingml/2006/main" xmlns:r="http://schemas.openxmlformats.org/officeDocument/2006/relationships" xmlns:ac="http://schemas.microsoft.com/office/drawing/2013/main/command" xmlns:pc="http://schemas.microsoft.com/office/powerpoint/2013/main/command">
   <pc:docChgLst>
@@ -209,6 +201,83 @@
       </pc:sldChg>
     </pc:docChg>
   </pc:docChgLst>
+  <pc:docChgLst>
+    <pc:chgData name="Srinivasa Rao" userId="a6b54366-f13d-4292-8bb4-f06c50909b1e" providerId="ADAL" clId="{016FA0A4-E15D-DB4D-B4DA-A73039A6D458}"/>
+    <pc:docChg chg="undo custSel modSld">
+      <pc:chgData name="Srinivasa Rao" userId="a6b54366-f13d-4292-8bb4-f06c50909b1e" providerId="ADAL" clId="{016FA0A4-E15D-DB4D-B4DA-A73039A6D458}" dt="2024-10-28T12:25:34.539" v="9" actId="1076"/>
+      <pc:docMkLst>
+        <pc:docMk/>
+      </pc:docMkLst>
+      <pc:sldChg chg="modSp mod">
+        <pc:chgData name="Srinivasa Rao" userId="a6b54366-f13d-4292-8bb4-f06c50909b1e" providerId="ADAL" clId="{016FA0A4-E15D-DB4D-B4DA-A73039A6D458}" dt="2024-10-28T12:24:50.810" v="1"/>
+        <pc:sldMkLst>
+          <pc:docMk/>
+          <pc:sldMk cId="4071665191" sldId="256"/>
+        </pc:sldMkLst>
+        <pc:spChg chg="mod">
+          <ac:chgData name="Srinivasa Rao" userId="a6b54366-f13d-4292-8bb4-f06c50909b1e" providerId="ADAL" clId="{016FA0A4-E15D-DB4D-B4DA-A73039A6D458}" dt="2024-10-28T12:24:50.810" v="1"/>
+          <ac:spMkLst>
+            <pc:docMk/>
+            <pc:sldMk cId="4071665191" sldId="256"/>
+            <ac:spMk id="3" creationId="{20159462-3090-4E5A-8C0E-09CF4783DD10}"/>
+          </ac:spMkLst>
+        </pc:spChg>
+      </pc:sldChg>
+      <pc:sldChg chg="addSp modSp mod">
+        <pc:chgData name="Srinivasa Rao" userId="a6b54366-f13d-4292-8bb4-f06c50909b1e" providerId="ADAL" clId="{016FA0A4-E15D-DB4D-B4DA-A73039A6D458}" dt="2024-10-28T12:25:11.274" v="5" actId="1076"/>
+        <pc:sldMkLst>
+          <pc:docMk/>
+          <pc:sldMk cId="3794065479" sldId="257"/>
+        </pc:sldMkLst>
+        <pc:spChg chg="mod">
+          <ac:chgData name="Srinivasa Rao" userId="a6b54366-f13d-4292-8bb4-f06c50909b1e" providerId="ADAL" clId="{016FA0A4-E15D-DB4D-B4DA-A73039A6D458}" dt="2024-10-28T12:25:05.177" v="3"/>
+          <ac:spMkLst>
+            <pc:docMk/>
+            <pc:sldMk cId="3794065479" sldId="257"/>
+            <ac:spMk id="3" creationId="{3559945C-D47A-49D2-9CB0-2FA262607D25}"/>
+          </ac:spMkLst>
+        </pc:spChg>
+        <pc:spChg chg="add mod">
+          <ac:chgData name="Srinivasa Rao" userId="a6b54366-f13d-4292-8bb4-f06c50909b1e" providerId="ADAL" clId="{016FA0A4-E15D-DB4D-B4DA-A73039A6D458}" dt="2024-10-28T12:25:11.274" v="5" actId="1076"/>
+          <ac:spMkLst>
+            <pc:docMk/>
+            <pc:sldMk cId="3794065479" sldId="257"/>
+            <ac:spMk id="6" creationId="{5509A7D1-220B-A4A7-1FED-129F158C04BE}"/>
+          </ac:spMkLst>
+        </pc:spChg>
+      </pc:sldChg>
+      <pc:sldChg chg="addSp modSp mod">
+        <pc:chgData name="Srinivasa Rao" userId="a6b54366-f13d-4292-8bb4-f06c50909b1e" providerId="ADAL" clId="{016FA0A4-E15D-DB4D-B4DA-A73039A6D458}" dt="2024-10-28T12:25:26.625" v="7" actId="1076"/>
+        <pc:sldMkLst>
+          <pc:docMk/>
+          <pc:sldMk cId="3455882115" sldId="258"/>
+        </pc:sldMkLst>
+        <pc:spChg chg="add mod">
+          <ac:chgData name="Srinivasa Rao" userId="a6b54366-f13d-4292-8bb4-f06c50909b1e" providerId="ADAL" clId="{016FA0A4-E15D-DB4D-B4DA-A73039A6D458}" dt="2024-10-28T12:25:26.625" v="7" actId="1076"/>
+          <ac:spMkLst>
+            <pc:docMk/>
+            <pc:sldMk cId="3455882115" sldId="258"/>
+            <ac:spMk id="7" creationId="{5BD19F90-D39B-0E5D-8A17-E1559EFA96DE}"/>
+          </ac:spMkLst>
+        </pc:spChg>
+      </pc:sldChg>
+      <pc:sldChg chg="addSp modSp mod">
+        <pc:chgData name="Srinivasa Rao" userId="a6b54366-f13d-4292-8bb4-f06c50909b1e" providerId="ADAL" clId="{016FA0A4-E15D-DB4D-B4DA-A73039A6D458}" dt="2024-10-28T12:25:34.539" v="9" actId="1076"/>
+        <pc:sldMkLst>
+          <pc:docMk/>
+          <pc:sldMk cId="2496107508" sldId="265"/>
+        </pc:sldMkLst>
+        <pc:spChg chg="add mod">
+          <ac:chgData name="Srinivasa Rao" userId="a6b54366-f13d-4292-8bb4-f06c50909b1e" providerId="ADAL" clId="{016FA0A4-E15D-DB4D-B4DA-A73039A6D458}" dt="2024-10-28T12:25:34.539" v="9" actId="1076"/>
+          <ac:spMkLst>
+            <pc:docMk/>
+            <pc:sldMk cId="2496107508" sldId="265"/>
+            <ac:spMk id="6" creationId="{563FE7B8-018E-8BE8-E416-D5501292AC5A}"/>
+          </ac:spMkLst>
+        </pc:spChg>
+      </pc:sldChg>
+    </pc:docChg>
+  </pc:docChgLst>
 </pc:chgInfo>
 </file>
 
@@ -361,7 +430,7 @@
           <a:p>
             <a:fld id="{3B6262EC-25EB-4809-BB80-44BF7F8BB39D}" type="datetimeFigureOut">
               <a:rPr lang="en-GB" smtClean="0"/>
-              <a:t>24/10/2023</a:t>
+              <a:t>28/10/2024</a:t>
             </a:fld>
             <a:endParaRPr lang="en-GB"/>
           </a:p>
@@ -561,7 +630,7 @@
           <a:p>
             <a:fld id="{3B6262EC-25EB-4809-BB80-44BF7F8BB39D}" type="datetimeFigureOut">
               <a:rPr lang="en-GB" smtClean="0"/>
-              <a:t>24/10/2023</a:t>
+              <a:t>28/10/2024</a:t>
             </a:fld>
             <a:endParaRPr lang="en-GB"/>
           </a:p>
@@ -771,7 +840,7 @@
           <a:p>
             <a:fld id="{3B6262EC-25EB-4809-BB80-44BF7F8BB39D}" type="datetimeFigureOut">
               <a:rPr lang="en-GB" smtClean="0"/>
-              <a:t>24/10/2023</a:t>
+              <a:t>28/10/2024</a:t>
             </a:fld>
             <a:endParaRPr lang="en-GB"/>
           </a:p>
@@ -971,7 +1040,7 @@
           <a:p>
             <a:fld id="{3B6262EC-25EB-4809-BB80-44BF7F8BB39D}" type="datetimeFigureOut">
               <a:rPr lang="en-GB" smtClean="0"/>
-              <a:t>24/10/2023</a:t>
+              <a:t>28/10/2024</a:t>
             </a:fld>
             <a:endParaRPr lang="en-GB"/>
           </a:p>
@@ -1247,7 +1316,7 @@
           <a:p>
             <a:fld id="{3B6262EC-25EB-4809-BB80-44BF7F8BB39D}" type="datetimeFigureOut">
               <a:rPr lang="en-GB" smtClean="0"/>
-              <a:t>24/10/2023</a:t>
+              <a:t>28/10/2024</a:t>
             </a:fld>
             <a:endParaRPr lang="en-GB"/>
           </a:p>
@@ -1515,7 +1584,7 @@
           <a:p>
             <a:fld id="{3B6262EC-25EB-4809-BB80-44BF7F8BB39D}" type="datetimeFigureOut">
               <a:rPr lang="en-GB" smtClean="0"/>
-              <a:t>24/10/2023</a:t>
+              <a:t>28/10/2024</a:t>
             </a:fld>
             <a:endParaRPr lang="en-GB"/>
           </a:p>
@@ -1930,7 +1999,7 @@
           <a:p>
             <a:fld id="{3B6262EC-25EB-4809-BB80-44BF7F8BB39D}" type="datetimeFigureOut">
               <a:rPr lang="en-GB" smtClean="0"/>
-              <a:t>24/10/2023</a:t>
+              <a:t>28/10/2024</a:t>
             </a:fld>
             <a:endParaRPr lang="en-GB"/>
           </a:p>
@@ -2072,7 +2141,7 @@
           <a:p>
             <a:fld id="{3B6262EC-25EB-4809-BB80-44BF7F8BB39D}" type="datetimeFigureOut">
               <a:rPr lang="en-GB" smtClean="0"/>
-              <a:t>24/10/2023</a:t>
+              <a:t>28/10/2024</a:t>
             </a:fld>
             <a:endParaRPr lang="en-GB"/>
           </a:p>
@@ -2185,7 +2254,7 @@
           <a:p>
             <a:fld id="{3B6262EC-25EB-4809-BB80-44BF7F8BB39D}" type="datetimeFigureOut">
               <a:rPr lang="en-GB" smtClean="0"/>
-              <a:t>24/10/2023</a:t>
+              <a:t>28/10/2024</a:t>
             </a:fld>
             <a:endParaRPr lang="en-GB"/>
           </a:p>
@@ -2498,7 +2567,7 @@
           <a:p>
             <a:fld id="{3B6262EC-25EB-4809-BB80-44BF7F8BB39D}" type="datetimeFigureOut">
               <a:rPr lang="en-GB" smtClean="0"/>
-              <a:t>24/10/2023</a:t>
+              <a:t>28/10/2024</a:t>
             </a:fld>
             <a:endParaRPr lang="en-GB"/>
           </a:p>
@@ -2787,7 +2856,7 @@
           <a:p>
             <a:fld id="{3B6262EC-25EB-4809-BB80-44BF7F8BB39D}" type="datetimeFigureOut">
               <a:rPr lang="en-GB" smtClean="0"/>
-              <a:t>24/10/2023</a:t>
+              <a:t>28/10/2024</a:t>
             </a:fld>
             <a:endParaRPr lang="en-GB"/>
           </a:p>
@@ -3030,7 +3099,7 @@
           <a:p>
             <a:fld id="{3B6262EC-25EB-4809-BB80-44BF7F8BB39D}" type="datetimeFigureOut">
               <a:rPr lang="en-GB" smtClean="0"/>
-              <a:t>24/10/2023</a:t>
+              <a:t>28/10/2024</a:t>
             </a:fld>
             <a:endParaRPr lang="en-GB"/>
           </a:p>
@@ -3510,6 +3579,20 @@
               <a:t>S. Rao</a:t>
             </a:r>
           </a:p>
+          <a:p>
+            <a:r>
+              <a:rPr lang="en-GB" sz="4400" dirty="0"/>
+              <a:t>https://</a:t>
+            </a:r>
+            <a:r>
+              <a:rPr lang="en-GB" sz="4400" dirty="0" err="1"/>
+              <a:t>tinyurl.com</a:t>
+            </a:r>
+            <a:r>
+              <a:rPr lang="en-GB" sz="4400" dirty="0"/>
+              <a:t>/3b3ewyjz</a:t>
+            </a:r>
+          </a:p>
         </p:txBody>
       </p:sp>
     </p:spTree>
@@ -5227,6 +5310,49 @@
           </a:prstGeom>
         </p:spPr>
       </p:pic>
+      <p:sp>
+        <p:nvSpPr>
+          <p:cNvPr id="6" name="TextBox 5">
+            <a:extLst>
+              <a:ext uri="{FF2B5EF4-FFF2-40B4-BE49-F238E27FC236}">
+                <a16:creationId xmlns:a16="http://schemas.microsoft.com/office/drawing/2014/main" id="{5509A7D1-220B-A4A7-1FED-129F158C04BE}"/>
+              </a:ext>
+            </a:extLst>
+          </p:cNvPr>
+          <p:cNvSpPr txBox="1"/>
+          <p:nvPr/>
+        </p:nvSpPr>
+        <p:spPr>
+          <a:xfrm>
+            <a:off x="0" y="6378936"/>
+            <a:ext cx="6099716" cy="369332"/>
+          </a:xfrm>
+          <a:prstGeom prst="rect">
+            <a:avLst/>
+          </a:prstGeom>
+          <a:noFill/>
+        </p:spPr>
+        <p:txBody>
+          <a:bodyPr wrap="square">
+            <a:spAutoFit/>
+          </a:bodyPr>
+          <a:lstStyle/>
+          <a:p>
+            <a:r>
+              <a:rPr lang="en-GB" sz="1800" dirty="0"/>
+              <a:t>https://</a:t>
+            </a:r>
+            <a:r>
+              <a:rPr lang="en-GB" sz="1800" dirty="0" err="1"/>
+              <a:t>tinyurl.com</a:t>
+            </a:r>
+            <a:r>
+              <a:rPr lang="en-GB" sz="1800" dirty="0"/>
+              <a:t>/3b3ewyjz</a:t>
+            </a:r>
+          </a:p>
+        </p:txBody>
+      </p:sp>
     </p:spTree>
     <p:extLst>
       <p:ext uri="{BB962C8B-B14F-4D97-AF65-F5344CB8AC3E}">
@@ -5410,6 +5536,49 @@
           </a:prstGeom>
         </p:spPr>
       </p:pic>
+      <p:sp>
+        <p:nvSpPr>
+          <p:cNvPr id="7" name="TextBox 6">
+            <a:extLst>
+              <a:ext uri="{FF2B5EF4-FFF2-40B4-BE49-F238E27FC236}">
+                <a16:creationId xmlns:a16="http://schemas.microsoft.com/office/drawing/2014/main" id="{5BD19F90-D39B-0E5D-8A17-E1559EFA96DE}"/>
+              </a:ext>
+            </a:extLst>
+          </p:cNvPr>
+          <p:cNvSpPr txBox="1"/>
+          <p:nvPr/>
+        </p:nvSpPr>
+        <p:spPr>
+          <a:xfrm>
+            <a:off x="0" y="6460117"/>
+            <a:ext cx="6099716" cy="369332"/>
+          </a:xfrm>
+          <a:prstGeom prst="rect">
+            <a:avLst/>
+          </a:prstGeom>
+          <a:noFill/>
+        </p:spPr>
+        <p:txBody>
+          <a:bodyPr wrap="square">
+            <a:spAutoFit/>
+          </a:bodyPr>
+          <a:lstStyle/>
+          <a:p>
+            <a:r>
+              <a:rPr lang="en-GB" sz="1800" dirty="0"/>
+              <a:t>https://</a:t>
+            </a:r>
+            <a:r>
+              <a:rPr lang="en-GB" sz="1800" dirty="0" err="1"/>
+              <a:t>tinyurl.com</a:t>
+            </a:r>
+            <a:r>
+              <a:rPr lang="en-GB" sz="1800" dirty="0"/>
+              <a:t>/3b3ewyjz</a:t>
+            </a:r>
+          </a:p>
+        </p:txBody>
+      </p:sp>
     </p:spTree>
     <p:extLst>
       <p:ext uri="{BB962C8B-B14F-4D97-AF65-F5344CB8AC3E}">
@@ -5708,6 +5877,49 @@
                 <a:cs typeface="Courier New" panose="02070309020205020404" pitchFamily="49" charset="0"/>
               </a:rPr>
               <a:t>Terminal commands/arguments</a:t>
+            </a:r>
+          </a:p>
+        </p:txBody>
+      </p:sp>
+      <p:sp>
+        <p:nvSpPr>
+          <p:cNvPr id="6" name="TextBox 5">
+            <a:extLst>
+              <a:ext uri="{FF2B5EF4-FFF2-40B4-BE49-F238E27FC236}">
+                <a16:creationId xmlns:a16="http://schemas.microsoft.com/office/drawing/2014/main" id="{563FE7B8-018E-8BE8-E416-D5501292AC5A}"/>
+              </a:ext>
+            </a:extLst>
+          </p:cNvPr>
+          <p:cNvSpPr txBox="1"/>
+          <p:nvPr/>
+        </p:nvSpPr>
+        <p:spPr>
+          <a:xfrm>
+            <a:off x="0" y="6487533"/>
+            <a:ext cx="6099716" cy="369332"/>
+          </a:xfrm>
+          <a:prstGeom prst="rect">
+            <a:avLst/>
+          </a:prstGeom>
+          <a:noFill/>
+        </p:spPr>
+        <p:txBody>
+          <a:bodyPr wrap="square">
+            <a:spAutoFit/>
+          </a:bodyPr>
+          <a:lstStyle/>
+          <a:p>
+            <a:r>
+              <a:rPr lang="en-GB" sz="1800" dirty="0"/>
+              <a:t>https://</a:t>
+            </a:r>
+            <a:r>
+              <a:rPr lang="en-GB" sz="1800" dirty="0" err="1"/>
+              <a:t>tinyurl.com</a:t>
+            </a:r>
+            <a:r>
+              <a:rPr lang="en-GB" sz="1800" dirty="0"/>
+              <a:t>/3b3ewyjz</a:t>
             </a:r>
           </a:p>
         </p:txBody>
